--- a/actividades/flag-variables/flag-variables.pptx
+++ b/actividades/flag-variables/flag-variables.pptx
@@ -5,21 +5,15 @@
     <p:sldMasterId id="2147483660" r:id="rId4"/>
   </p:sldMasterIdLst>
   <p:notesMasterIdLst>
-    <p:notesMasterId r:id="rId14"/>
+    <p:notesMasterId r:id="rId8"/>
   </p:notesMasterIdLst>
   <p:handoutMasterIdLst>
-    <p:handoutMasterId r:id="rId15"/>
+    <p:handoutMasterId r:id="rId9"/>
   </p:handoutMasterIdLst>
   <p:sldIdLst>
     <p:sldId id="268" r:id="rId5"/>
     <p:sldId id="269" r:id="rId6"/>
     <p:sldId id="262" r:id="rId7"/>
-    <p:sldId id="272" r:id="rId8"/>
-    <p:sldId id="273" r:id="rId9"/>
-    <p:sldId id="274" r:id="rId10"/>
-    <p:sldId id="275" r:id="rId11"/>
-    <p:sldId id="276" r:id="rId12"/>
-    <p:sldId id="257" r:id="rId13"/>
   </p:sldIdLst>
   <p:sldSz cx="12192000" cy="6858000"/>
   <p:notesSz cx="6858000" cy="9144000"/>
@@ -6104,11 +6098,17 @@
             <p:ph type="title"/>
           </p:nvPr>
         </p:nvSpPr>
-        <p:spPr/>
+        <p:spPr>
+          <a:xfrm>
+            <a:off x="2795473" y="545624"/>
+            <a:ext cx="6238874" cy="1260000"/>
+          </a:xfrm>
+        </p:spPr>
         <p:txBody>
           <a:bodyPr/>
           <a:lstStyle/>
           <a:p>
+            <a:pPr algn="ctr"/>
             <a:r>
               <a:rPr lang="en-US" dirty="0" smtClean="0"/>
               <a:t>¿Para </a:t>
@@ -6149,11 +6149,17 @@
             <p:ph type="body" sz="half" idx="2"/>
           </p:nvPr>
         </p:nvSpPr>
-        <p:spPr/>
+        <p:spPr>
+          <a:xfrm>
+            <a:off x="2903498" y="1900409"/>
+            <a:ext cx="6610351" cy="2270147"/>
+          </a:xfrm>
+        </p:spPr>
         <p:txBody>
           <a:bodyPr/>
           <a:lstStyle/>
           <a:p>
+            <a:pPr algn="just"/>
             <a:r>
               <a:rPr lang="en-US" dirty="0" err="1" smtClean="0"/>
               <a:t>Normalmente</a:t>
@@ -6244,6 +6250,7 @@
             </a:r>
           </a:p>
           <a:p>
+            <a:pPr algn="just"/>
             <a:r>
               <a:rPr lang="en-US" dirty="0" err="1" smtClean="0"/>
               <a:t>También</a:t>
@@ -6358,6 +6365,7 @@
             </a:r>
           </a:p>
           <a:p>
+            <a:pPr algn="just"/>
             <a:r>
               <a:rPr lang="en-US" dirty="0" smtClean="0"/>
               <a:t>O </a:t>
@@ -6416,820 +6424,39 @@
             </a:r>
             <a:r>
               <a:rPr lang="en-US" dirty="0" smtClean="0"/>
-              <a:t> o </a:t>
-            </a:r>
-            <a:r>
-              <a:rPr lang="en-US" smtClean="0"/>
-              <a:t>no.</a:t>
+              <a:t> o no.</a:t>
             </a:r>
             <a:endParaRPr lang="en-US" dirty="0"/>
           </a:p>
         </p:txBody>
       </p:sp>
-    </p:spTree>
-    <p:extLst>
-      <p:ext uri="{BB962C8B-B14F-4D97-AF65-F5344CB8AC3E}">
-        <p14:creationId xmlns:p14="http://schemas.microsoft.com/office/powerpoint/2010/main" val="1733894933"/>
-      </p:ext>
-    </p:extLst>
-  </p:cSld>
-  <p:clrMapOvr>
-    <a:masterClrMapping/>
-  </p:clrMapOvr>
-</p:sld>
-</file>
-
-<file path=ppt/slides/slide4.xml><?xml version="1.0" encoding="utf-8"?>
-<p:sld xmlns:a="http://schemas.openxmlformats.org/drawingml/2006/main" xmlns:r="http://schemas.openxmlformats.org/officeDocument/2006/relationships" xmlns:p="http://schemas.openxmlformats.org/presentationml/2006/main">
-  <p:cSld>
-    <p:spTree>
-      <p:nvGrpSpPr>
-        <p:cNvPr id="1" name=""/>
-        <p:cNvGrpSpPr/>
-        <p:nvPr/>
-      </p:nvGrpSpPr>
-      <p:grpSpPr>
-        <a:xfrm>
-          <a:off x="0" y="0"/>
-          <a:ext cx="0" cy="0"/>
-          <a:chOff x="0" y="0"/>
-          <a:chExt cx="0" cy="0"/>
-        </a:xfrm>
-      </p:grpSpPr>
       <p:pic>
         <p:nvPicPr>
-          <p:cNvPr id="15" name="Picture Placeholder 14" descr="E=MC2">
-            <a:extLst>
-              <a:ext uri="{FF2B5EF4-FFF2-40B4-BE49-F238E27FC236}">
-                <a16:creationId xmlns="" xmlns:a16="http://schemas.microsoft.com/office/drawing/2014/main" id="{F24087BC-230D-4630-81A2-52F8824F84B0}"/>
-              </a:ext>
-            </a:extLst>
-          </p:cNvPr>
-          <p:cNvPicPr>
-            <a:picLocks noGrp="1" noChangeAspect="1"/>
-          </p:cNvPicPr>
-          <p:nvPr>
-            <p:ph type="pic" idx="1"/>
-          </p:nvPr>
-        </p:nvPicPr>
-        <p:blipFill>
-          <a:blip r:embed="rId2"/>
-          <a:srcRect l="1" r="1"/>
-          <a:stretch>
-            <a:fillRect/>
-          </a:stretch>
-        </p:blipFill>
-        <p:spPr bwMode="blackGray"/>
-      </p:pic>
-      <p:sp>
-        <p:nvSpPr>
-          <p:cNvPr id="2" name="Title 1">
-            <a:extLst>
-              <a:ext uri="{FF2B5EF4-FFF2-40B4-BE49-F238E27FC236}">
-                <a16:creationId xmlns="" xmlns:a16="http://schemas.microsoft.com/office/drawing/2014/main" id="{C8BE71A9-3DD2-40A0-A793-8A327B7870FD}"/>
-              </a:ext>
-            </a:extLst>
-          </p:cNvPr>
-          <p:cNvSpPr>
-            <a:spLocks noGrp="1"/>
-          </p:cNvSpPr>
-          <p:nvPr>
-            <p:ph type="title"/>
-          </p:nvPr>
-        </p:nvSpPr>
-        <p:spPr/>
-        <p:txBody>
-          <a:bodyPr/>
-          <a:lstStyle/>
-          <a:p>
-            <a:r>
-              <a:rPr lang="en-US" dirty="0"/>
-              <a:t>Title for the photo goes here</a:t>
-            </a:r>
-          </a:p>
-        </p:txBody>
-      </p:sp>
-      <p:sp>
-        <p:nvSpPr>
-          <p:cNvPr id="4" name="Text Placeholder 3">
-            <a:extLst>
-              <a:ext uri="{FF2B5EF4-FFF2-40B4-BE49-F238E27FC236}">
-                <a16:creationId xmlns="" xmlns:a16="http://schemas.microsoft.com/office/drawing/2014/main" id="{89E3F3D3-E33B-4CC0-A31E-7554F6BAEA6C}"/>
-              </a:ext>
-            </a:extLst>
-          </p:cNvPr>
-          <p:cNvSpPr>
-            <a:spLocks noGrp="1"/>
-          </p:cNvSpPr>
-          <p:nvPr>
-            <p:ph type="body" sz="half" idx="2"/>
-          </p:nvPr>
-        </p:nvSpPr>
-        <p:spPr/>
-        <p:txBody>
-          <a:bodyPr/>
-          <a:lstStyle/>
-          <a:p>
-            <a:r>
-              <a:rPr lang="en-US" dirty="0"/>
-              <a:t>Insert photo (in the box to the right) supporting your thesis or claim sentence.</a:t>
-            </a:r>
-          </a:p>
-          <a:p>
-            <a:r>
-              <a:rPr lang="en-US" dirty="0"/>
-              <a:t>Explain how this photo supports your thesis or claim sentence. </a:t>
-            </a:r>
-          </a:p>
-          <a:p>
-            <a:endParaRPr lang="en-US" dirty="0"/>
-          </a:p>
-        </p:txBody>
-      </p:sp>
-    </p:spTree>
-    <p:extLst>
-      <p:ext uri="{BB962C8B-B14F-4D97-AF65-F5344CB8AC3E}">
-        <p14:creationId xmlns:p14="http://schemas.microsoft.com/office/powerpoint/2010/main" val="1943867055"/>
-      </p:ext>
-    </p:extLst>
-  </p:cSld>
-  <p:clrMapOvr>
-    <a:masterClrMapping/>
-  </p:clrMapOvr>
-</p:sld>
-</file>
-
-<file path=ppt/slides/slide5.xml><?xml version="1.0" encoding="utf-8"?>
-<p:sld xmlns:a="http://schemas.openxmlformats.org/drawingml/2006/main" xmlns:r="http://schemas.openxmlformats.org/officeDocument/2006/relationships" xmlns:p="http://schemas.openxmlformats.org/presentationml/2006/main">
-  <p:cSld>
-    <p:spTree>
-      <p:nvGrpSpPr>
-        <p:cNvPr id="1" name=""/>
-        <p:cNvGrpSpPr/>
-        <p:nvPr/>
-      </p:nvGrpSpPr>
-      <p:grpSpPr>
-        <a:xfrm>
-          <a:off x="0" y="0"/>
-          <a:ext cx="0" cy="0"/>
-          <a:chOff x="0" y="0"/>
-          <a:chExt cx="0" cy="0"/>
-        </a:xfrm>
-      </p:grpSpPr>
-      <p:sp>
-        <p:nvSpPr>
-          <p:cNvPr id="2" name="Title 1">
-            <a:extLst>
-              <a:ext uri="{FF2B5EF4-FFF2-40B4-BE49-F238E27FC236}">
-                <a16:creationId xmlns="" xmlns:a16="http://schemas.microsoft.com/office/drawing/2014/main" id="{3DF70BC9-4028-4C57-A49A-BB164F023B33}"/>
-              </a:ext>
-            </a:extLst>
-          </p:cNvPr>
-          <p:cNvSpPr>
-            <a:spLocks noGrp="1"/>
-          </p:cNvSpPr>
-          <p:nvPr>
-            <p:ph type="title"/>
-          </p:nvPr>
-        </p:nvSpPr>
-        <p:spPr/>
-        <p:txBody>
-          <a:bodyPr/>
-          <a:lstStyle/>
-          <a:p>
-            <a:r>
-              <a:rPr lang="en-US" dirty="0"/>
-              <a:t>FAMOUS QUOTE FROM THE EVENT, OR A GENERAL QUOTE SUPPORTING YOUR THESIS OR CLAIM SENTENCE.</a:t>
-            </a:r>
-          </a:p>
-        </p:txBody>
-      </p:sp>
-      <p:sp>
-        <p:nvSpPr>
-          <p:cNvPr id="3" name="Text Placeholder 2">
-            <a:extLst>
-              <a:ext uri="{FF2B5EF4-FFF2-40B4-BE49-F238E27FC236}">
-                <a16:creationId xmlns="" xmlns:a16="http://schemas.microsoft.com/office/drawing/2014/main" id="{9C059A28-6923-4B5B-9304-CCFE4E2B8582}"/>
-              </a:ext>
-            </a:extLst>
-          </p:cNvPr>
-          <p:cNvSpPr>
-            <a:spLocks noGrp="1"/>
-          </p:cNvSpPr>
-          <p:nvPr>
-            <p:ph type="body" sz="quarter" idx="13"/>
-          </p:nvPr>
-        </p:nvSpPr>
-        <p:spPr/>
-        <p:txBody>
-          <a:bodyPr/>
-          <a:lstStyle/>
-          <a:p>
-            <a:r>
-              <a:rPr lang="en-US" dirty="0"/>
-              <a:t>Author / Writer</a:t>
-            </a:r>
-          </a:p>
-        </p:txBody>
-      </p:sp>
-      <p:sp>
-        <p:nvSpPr>
-          <p:cNvPr id="4" name="Text Placeholder 3">
-            <a:extLst>
-              <a:ext uri="{FF2B5EF4-FFF2-40B4-BE49-F238E27FC236}">
-                <a16:creationId xmlns="" xmlns:a16="http://schemas.microsoft.com/office/drawing/2014/main" id="{1EC8D87A-A43B-467C-9549-98D8C6155027}"/>
-              </a:ext>
-            </a:extLst>
-          </p:cNvPr>
-          <p:cNvSpPr>
-            <a:spLocks noGrp="1"/>
-          </p:cNvSpPr>
-          <p:nvPr>
-            <p:ph type="body" idx="1"/>
-          </p:nvPr>
-        </p:nvSpPr>
-        <p:spPr bwMode="black"/>
-        <p:txBody>
-          <a:bodyPr/>
-          <a:lstStyle/>
-          <a:p>
-            <a:r>
-              <a:rPr lang="en-US" dirty="0"/>
-              <a:t>Evidence supporting this quote or an explanation as to why this quote is important.</a:t>
-            </a:r>
-          </a:p>
-        </p:txBody>
-      </p:sp>
-    </p:spTree>
-    <p:extLst>
-      <p:ext uri="{BB962C8B-B14F-4D97-AF65-F5344CB8AC3E}">
-        <p14:creationId xmlns:p14="http://schemas.microsoft.com/office/powerpoint/2010/main" val="1983309941"/>
-      </p:ext>
-    </p:extLst>
-  </p:cSld>
-  <p:clrMapOvr>
-    <a:masterClrMapping/>
-  </p:clrMapOvr>
-</p:sld>
-</file>
-
-<file path=ppt/slides/slide6.xml><?xml version="1.0" encoding="utf-8"?>
-<p:sld xmlns:a="http://schemas.openxmlformats.org/drawingml/2006/main" xmlns:r="http://schemas.openxmlformats.org/officeDocument/2006/relationships" xmlns:p="http://schemas.openxmlformats.org/presentationml/2006/main">
-  <p:cSld>
-    <p:spTree>
-      <p:nvGrpSpPr>
-        <p:cNvPr id="1" name=""/>
-        <p:cNvGrpSpPr/>
-        <p:nvPr/>
-      </p:nvGrpSpPr>
-      <p:grpSpPr>
-        <a:xfrm>
-          <a:off x="0" y="0"/>
-          <a:ext cx="0" cy="0"/>
-          <a:chOff x="0" y="0"/>
-          <a:chExt cx="0" cy="0"/>
-        </a:xfrm>
-      </p:grpSpPr>
-      <p:sp>
-        <p:nvSpPr>
-          <p:cNvPr id="2" name="Title 1">
-            <a:extLst>
-              <a:ext uri="{FF2B5EF4-FFF2-40B4-BE49-F238E27FC236}">
-                <a16:creationId xmlns="" xmlns:a16="http://schemas.microsoft.com/office/drawing/2014/main" id="{101CE1DA-3FCD-4498-BCBB-3618ED94736C}"/>
-              </a:ext>
-            </a:extLst>
-          </p:cNvPr>
-          <p:cNvSpPr>
-            <a:spLocks noGrp="1"/>
-          </p:cNvSpPr>
-          <p:nvPr>
-            <p:ph type="title"/>
-          </p:nvPr>
-        </p:nvSpPr>
-        <p:spPr/>
-        <p:txBody>
-          <a:bodyPr/>
-          <a:lstStyle/>
-          <a:p>
-            <a:r>
-              <a:rPr lang="en-US" dirty="0"/>
-              <a:t>Title connecting the visuals below</a:t>
-            </a:r>
-          </a:p>
-        </p:txBody>
-      </p:sp>
-      <p:pic>
-        <p:nvPicPr>
-          <p:cNvPr id="13" name="Picture 12" descr="pen and paper icon">
-            <a:extLst>
-              <a:ext uri="{FF2B5EF4-FFF2-40B4-BE49-F238E27FC236}">
-                <a16:creationId xmlns="" xmlns:a16="http://schemas.microsoft.com/office/drawing/2014/main" id="{CE889C08-FD1F-4AE0-9D82-E718A6E92DF1}"/>
-              </a:ext>
-              <a:ext uri="{C183D7F6-B498-43B3-948B-1728B52AA6E4}">
-                <adec:decorative xmlns="" xmlns:adec="http://schemas.microsoft.com/office/drawing/2017/decorative" val="1"/>
-              </a:ext>
-            </a:extLst>
-          </p:cNvPr>
+          <p:cNvPr id="5" name="Picture 4"/>
           <p:cNvPicPr>
             <a:picLocks noChangeAspect="1"/>
           </p:cNvPicPr>
           <p:nvPr/>
         </p:nvPicPr>
-        <p:blipFill>
+        <p:blipFill rotWithShape="1">
           <a:blip r:embed="rId2"/>
-          <a:stretch>
-            <a:fillRect/>
-          </a:stretch>
+          <a:srcRect l="5853" t="54772" r="43272" b="26265"/>
+          <a:stretch/>
         </p:blipFill>
         <p:spPr>
           <a:xfrm>
-            <a:off x="7983806" y="778138"/>
-            <a:ext cx="814387" cy="814387"/>
+            <a:off x="1940313" y="4360127"/>
+            <a:ext cx="9043639" cy="2252150"/>
           </a:xfrm>
           <a:prstGeom prst="rect">
             <a:avLst/>
           </a:prstGeom>
-        </p:spPr>
-      </p:pic>
-      <p:sp>
-        <p:nvSpPr>
-          <p:cNvPr id="3" name="Text Placeholder 2">
-            <a:extLst>
-              <a:ext uri="{FF2B5EF4-FFF2-40B4-BE49-F238E27FC236}">
-                <a16:creationId xmlns="" xmlns:a16="http://schemas.microsoft.com/office/drawing/2014/main" id="{CBECD2AB-7B57-4093-A2C5-E0BA9203854D}"/>
-              </a:ext>
-            </a:extLst>
-          </p:cNvPr>
-          <p:cNvSpPr>
-            <a:spLocks noGrp="1"/>
-          </p:cNvSpPr>
-          <p:nvPr>
-            <p:ph type="body" idx="1"/>
-          </p:nvPr>
-        </p:nvSpPr>
-        <p:spPr/>
-        <p:txBody>
-          <a:bodyPr/>
-          <a:lstStyle/>
-          <a:p>
-            <a:r>
-              <a:rPr lang="en-US" dirty="0"/>
-              <a:t>Title goes here for the chart, graphic, or video you insert below.  The chart, graphic, or video supports your thesis or claim sentence.</a:t>
-            </a:r>
-          </a:p>
-        </p:txBody>
-      </p:sp>
-      <p:pic>
-        <p:nvPicPr>
-          <p:cNvPr id="15" name="Content Placeholder 14" descr="Einstein Citizenship">
-            <a:extLst>
-              <a:ext uri="{FF2B5EF4-FFF2-40B4-BE49-F238E27FC236}">
-                <a16:creationId xmlns="" xmlns:a16="http://schemas.microsoft.com/office/drawing/2014/main" id="{87835C94-AD92-45FD-BF85-1265B76BF5C0}"/>
-              </a:ext>
-            </a:extLst>
-          </p:cNvPr>
-          <p:cNvPicPr>
-            <a:picLocks noGrp="1" noChangeAspect="1"/>
-          </p:cNvPicPr>
-          <p:nvPr>
-            <p:ph sz="half" idx="2"/>
-          </p:nvPr>
-        </p:nvPicPr>
-        <p:blipFill>
-          <a:blip r:embed="rId3"/>
-          <a:stretch>
-            <a:fillRect/>
-          </a:stretch>
-        </p:blipFill>
-        <p:spPr bwMode="blackGray">
-          <a:xfrm>
-            <a:off x="687266" y="2870200"/>
-            <a:ext cx="5199305" cy="2916238"/>
-          </a:xfrm>
-        </p:spPr>
-      </p:pic>
-      <p:sp>
-        <p:nvSpPr>
-          <p:cNvPr id="5" name="Text Placeholder 4">
-            <a:extLst>
-              <a:ext uri="{FF2B5EF4-FFF2-40B4-BE49-F238E27FC236}">
-                <a16:creationId xmlns="" xmlns:a16="http://schemas.microsoft.com/office/drawing/2014/main" id="{C97B01CB-70D1-4DA6-A9BF-B0BA77A1609B}"/>
-              </a:ext>
-            </a:extLst>
-          </p:cNvPr>
-          <p:cNvSpPr>
-            <a:spLocks noGrp="1"/>
-          </p:cNvSpPr>
-          <p:nvPr>
-            <p:ph type="body" sz="quarter" idx="3"/>
-          </p:nvPr>
-        </p:nvSpPr>
-        <p:spPr/>
-        <p:txBody>
-          <a:bodyPr/>
-          <a:lstStyle/>
-          <a:p>
-            <a:r>
-              <a:rPr lang="en-US" dirty="0"/>
-              <a:t>Title goes here for the chart, graphic, or video you insert below.  The chart, graphic, or video supports your thesis or claim sentence.</a:t>
-            </a:r>
-          </a:p>
-        </p:txBody>
-      </p:sp>
-      <p:pic>
-        <p:nvPicPr>
-          <p:cNvPr id="17" name="Content Placeholder 16" descr="Top Scientists">
-            <a:extLst>
-              <a:ext uri="{FF2B5EF4-FFF2-40B4-BE49-F238E27FC236}">
-                <a16:creationId xmlns="" xmlns:a16="http://schemas.microsoft.com/office/drawing/2014/main" id="{11D36F2E-D9FF-449E-BC2E-9CC0051EC5F8}"/>
-              </a:ext>
-            </a:extLst>
-          </p:cNvPr>
-          <p:cNvPicPr>
-            <a:picLocks noGrp="1" noChangeAspect="1"/>
-          </p:cNvPicPr>
-          <p:nvPr>
-            <p:ph sz="quarter" idx="4"/>
-          </p:nvPr>
-        </p:nvPicPr>
-        <p:blipFill>
-          <a:blip r:embed="rId4"/>
-          <a:stretch>
-            <a:fillRect/>
-          </a:stretch>
-        </p:blipFill>
-        <p:spPr bwMode="blackGray">
-          <a:xfrm>
-            <a:off x="6299079" y="2870200"/>
-            <a:ext cx="5199305" cy="2916238"/>
-          </a:xfrm>
         </p:spPr>
       </p:pic>
     </p:spTree>
     <p:extLst>
       <p:ext uri="{BB962C8B-B14F-4D97-AF65-F5344CB8AC3E}">
-        <p14:creationId xmlns:p14="http://schemas.microsoft.com/office/powerpoint/2010/main" val="1445218864"/>
-      </p:ext>
-    </p:extLst>
-  </p:cSld>
-  <p:clrMapOvr>
-    <a:masterClrMapping/>
-  </p:clrMapOvr>
-</p:sld>
-</file>
-
-<file path=ppt/slides/slide7.xml><?xml version="1.0" encoding="utf-8"?>
-<p:sld xmlns:a="http://schemas.openxmlformats.org/drawingml/2006/main" xmlns:r="http://schemas.openxmlformats.org/officeDocument/2006/relationships" xmlns:p="http://schemas.openxmlformats.org/presentationml/2006/main">
-  <p:cSld>
-    <p:spTree>
-      <p:nvGrpSpPr>
-        <p:cNvPr id="1" name=""/>
-        <p:cNvGrpSpPr/>
-        <p:nvPr/>
-      </p:nvGrpSpPr>
-      <p:grpSpPr>
-        <a:xfrm>
-          <a:off x="0" y="0"/>
-          <a:ext cx="0" cy="0"/>
-          <a:chOff x="0" y="0"/>
-          <a:chExt cx="0" cy="0"/>
-        </a:xfrm>
-      </p:grpSpPr>
-      <p:sp>
-        <p:nvSpPr>
-          <p:cNvPr id="2" name="Title 1">
-            <a:extLst>
-              <a:ext uri="{FF2B5EF4-FFF2-40B4-BE49-F238E27FC236}">
-                <a16:creationId xmlns="" xmlns:a16="http://schemas.microsoft.com/office/drawing/2014/main" id="{5F478200-0985-4DED-A84B-D6ADED92FAE6}"/>
-              </a:ext>
-            </a:extLst>
-          </p:cNvPr>
-          <p:cNvSpPr>
-            <a:spLocks noGrp="1"/>
-          </p:cNvSpPr>
-          <p:nvPr>
-            <p:ph type="title"/>
-          </p:nvPr>
-        </p:nvSpPr>
-        <p:spPr/>
-        <p:txBody>
-          <a:bodyPr/>
-          <a:lstStyle/>
-          <a:p>
-            <a:r>
-              <a:rPr lang="en-US" dirty="0"/>
-              <a:t>ADD YOUR FINDINGS HERE</a:t>
-            </a:r>
-          </a:p>
-        </p:txBody>
-      </p:sp>
-      <p:pic>
-        <p:nvPicPr>
-          <p:cNvPr id="7" name="Picture 6" descr="magnifying glass icon">
-            <a:extLst>
-              <a:ext uri="{FF2B5EF4-FFF2-40B4-BE49-F238E27FC236}">
-                <a16:creationId xmlns="" xmlns:a16="http://schemas.microsoft.com/office/drawing/2014/main" id="{AAE36621-6FAB-4009-9D5C-CE767DF10D22}"/>
-              </a:ext>
-              <a:ext uri="{C183D7F6-B498-43B3-948B-1728B52AA6E4}">
-                <adec:decorative xmlns="" xmlns:adec="http://schemas.microsoft.com/office/drawing/2017/decorative" val="1"/>
-              </a:ext>
-            </a:extLst>
-          </p:cNvPr>
-          <p:cNvPicPr>
-            <a:picLocks noChangeAspect="1"/>
-          </p:cNvPicPr>
-          <p:nvPr/>
-        </p:nvPicPr>
-        <p:blipFill>
-          <a:blip r:embed="rId2"/>
-          <a:stretch>
-            <a:fillRect/>
-          </a:stretch>
-        </p:blipFill>
-        <p:spPr>
-          <a:xfrm>
-            <a:off x="6096000" y="894451"/>
-            <a:ext cx="685800" cy="685800"/>
-          </a:xfrm>
-          <a:prstGeom prst="rect">
-            <a:avLst/>
-          </a:prstGeom>
-        </p:spPr>
-      </p:pic>
-      <p:sp>
-        <p:nvSpPr>
-          <p:cNvPr id="3" name="Content Placeholder 2">
-            <a:extLst>
-              <a:ext uri="{FF2B5EF4-FFF2-40B4-BE49-F238E27FC236}">
-                <a16:creationId xmlns="" xmlns:a16="http://schemas.microsoft.com/office/drawing/2014/main" id="{90E8A47E-9D4A-4D70-B23A-B0AC3757292F}"/>
-              </a:ext>
-            </a:extLst>
-          </p:cNvPr>
-          <p:cNvSpPr>
-            <a:spLocks noGrp="1"/>
-          </p:cNvSpPr>
-          <p:nvPr>
-            <p:ph idx="1"/>
-          </p:nvPr>
-        </p:nvSpPr>
-        <p:spPr/>
-        <p:txBody>
-          <a:bodyPr/>
-          <a:lstStyle/>
-          <a:p>
-            <a:r>
-              <a:rPr lang="en-US" dirty="0"/>
-              <a:t>Explain what has been learned from this historical event and how that impacts or connects to you. </a:t>
-            </a:r>
-          </a:p>
-        </p:txBody>
-      </p:sp>
-    </p:spTree>
-    <p:extLst>
-      <p:ext uri="{BB962C8B-B14F-4D97-AF65-F5344CB8AC3E}">
-        <p14:creationId xmlns:p14="http://schemas.microsoft.com/office/powerpoint/2010/main" val="277620910"/>
-      </p:ext>
-    </p:extLst>
-  </p:cSld>
-  <p:clrMapOvr>
-    <a:masterClrMapping/>
-  </p:clrMapOvr>
-</p:sld>
-</file>
-
-<file path=ppt/slides/slide8.xml><?xml version="1.0" encoding="utf-8"?>
-<p:sld xmlns:a="http://schemas.openxmlformats.org/drawingml/2006/main" xmlns:r="http://schemas.openxmlformats.org/officeDocument/2006/relationships" xmlns:p="http://schemas.openxmlformats.org/presentationml/2006/main">
-  <p:cSld>
-    <p:spTree>
-      <p:nvGrpSpPr>
-        <p:cNvPr id="1" name=""/>
-        <p:cNvGrpSpPr/>
-        <p:nvPr/>
-      </p:nvGrpSpPr>
-      <p:grpSpPr>
-        <a:xfrm>
-          <a:off x="0" y="0"/>
-          <a:ext cx="0" cy="0"/>
-          <a:chOff x="0" y="0"/>
-          <a:chExt cx="0" cy="0"/>
-        </a:xfrm>
-      </p:grpSpPr>
-      <p:sp>
-        <p:nvSpPr>
-          <p:cNvPr id="2" name="Title 1">
-            <a:extLst>
-              <a:ext uri="{FF2B5EF4-FFF2-40B4-BE49-F238E27FC236}">
-                <a16:creationId xmlns="" xmlns:a16="http://schemas.microsoft.com/office/drawing/2014/main" id="{F74BA199-95B7-41B3-9A72-44BD819B1C1F}"/>
-              </a:ext>
-            </a:extLst>
-          </p:cNvPr>
-          <p:cNvSpPr>
-            <a:spLocks noGrp="1"/>
-          </p:cNvSpPr>
-          <p:nvPr>
-            <p:ph type="title"/>
-          </p:nvPr>
-        </p:nvSpPr>
-        <p:spPr/>
-        <p:txBody>
-          <a:bodyPr/>
-          <a:lstStyle/>
-          <a:p>
-            <a:r>
-              <a:rPr lang="en-US" dirty="0"/>
-              <a:t>Influence &amp; Conclusion</a:t>
-            </a:r>
-          </a:p>
-        </p:txBody>
-      </p:sp>
-      <p:pic>
-        <p:nvPicPr>
-          <p:cNvPr id="10" name="Picture 9" descr="gavel icon ">
-            <a:extLst>
-              <a:ext uri="{FF2B5EF4-FFF2-40B4-BE49-F238E27FC236}">
-                <a16:creationId xmlns="" xmlns:a16="http://schemas.microsoft.com/office/drawing/2014/main" id="{4CC9C727-CD5E-461F-9DE1-B579A54D1FE9}"/>
-              </a:ext>
-              <a:ext uri="{C183D7F6-B498-43B3-948B-1728B52AA6E4}">
-                <adec:decorative xmlns="" xmlns:adec="http://schemas.microsoft.com/office/drawing/2017/decorative" val="1"/>
-              </a:ext>
-            </a:extLst>
-          </p:cNvPr>
-          <p:cNvPicPr>
-            <a:picLocks noChangeAspect="1"/>
-          </p:cNvPicPr>
-          <p:nvPr/>
-        </p:nvPicPr>
-        <p:blipFill>
-          <a:blip r:embed="rId2"/>
-          <a:stretch>
-            <a:fillRect/>
-          </a:stretch>
-        </p:blipFill>
-        <p:spPr>
-          <a:xfrm>
-            <a:off x="6096000" y="600024"/>
-            <a:ext cx="1171575" cy="1171575"/>
-          </a:xfrm>
-          <a:prstGeom prst="rect">
-            <a:avLst/>
-          </a:prstGeom>
-        </p:spPr>
-      </p:pic>
-      <p:sp>
-        <p:nvSpPr>
-          <p:cNvPr id="3" name="Content Placeholder 2">
-            <a:extLst>
-              <a:ext uri="{FF2B5EF4-FFF2-40B4-BE49-F238E27FC236}">
-                <a16:creationId xmlns="" xmlns:a16="http://schemas.microsoft.com/office/drawing/2014/main" id="{344B0985-002E-41EF-80D7-888D43261784}"/>
-              </a:ext>
-            </a:extLst>
-          </p:cNvPr>
-          <p:cNvSpPr>
-            <a:spLocks noGrp="1"/>
-          </p:cNvSpPr>
-          <p:nvPr>
-            <p:ph sz="half" idx="1"/>
-          </p:nvPr>
-        </p:nvSpPr>
-        <p:spPr/>
-        <p:txBody>
-          <a:bodyPr/>
-          <a:lstStyle/>
-          <a:p>
-            <a:r>
-              <a:rPr lang="en-US" dirty="0"/>
-              <a:t>Explain to your audience the influence this historical event had on the world</a:t>
-            </a:r>
-          </a:p>
-        </p:txBody>
-      </p:sp>
-      <p:sp>
-        <p:nvSpPr>
-          <p:cNvPr id="4" name="Content Placeholder 3">
-            <a:extLst>
-              <a:ext uri="{FF2B5EF4-FFF2-40B4-BE49-F238E27FC236}">
-                <a16:creationId xmlns="" xmlns:a16="http://schemas.microsoft.com/office/drawing/2014/main" id="{2846FF52-309D-45FC-A407-74955F1EF153}"/>
-              </a:ext>
-            </a:extLst>
-          </p:cNvPr>
-          <p:cNvSpPr>
-            <a:spLocks noGrp="1"/>
-          </p:cNvSpPr>
-          <p:nvPr>
-            <p:ph sz="half" idx="2"/>
-          </p:nvPr>
-        </p:nvSpPr>
-        <p:spPr/>
-        <p:txBody>
-          <a:bodyPr/>
-          <a:lstStyle/>
-          <a:p>
-            <a:r>
-              <a:rPr lang="en-US" dirty="0"/>
-              <a:t>Restate your thesis or claim sentence.</a:t>
-            </a:r>
-          </a:p>
-        </p:txBody>
-      </p:sp>
-    </p:spTree>
-    <p:extLst>
-      <p:ext uri="{BB962C8B-B14F-4D97-AF65-F5344CB8AC3E}">
-        <p14:creationId xmlns:p14="http://schemas.microsoft.com/office/powerpoint/2010/main" val="1330143715"/>
-      </p:ext>
-    </p:extLst>
-  </p:cSld>
-  <p:clrMapOvr>
-    <a:masterClrMapping/>
-  </p:clrMapOvr>
-</p:sld>
-</file>
-
-<file path=ppt/slides/slide9.xml><?xml version="1.0" encoding="utf-8"?>
-<p:sld xmlns:a="http://schemas.openxmlformats.org/drawingml/2006/main" xmlns:r="http://schemas.openxmlformats.org/officeDocument/2006/relationships" xmlns:p="http://schemas.openxmlformats.org/presentationml/2006/main">
-  <p:cSld>
-    <p:spTree>
-      <p:nvGrpSpPr>
-        <p:cNvPr id="1" name=""/>
-        <p:cNvGrpSpPr/>
-        <p:nvPr/>
-      </p:nvGrpSpPr>
-      <p:grpSpPr>
-        <a:xfrm>
-          <a:off x="0" y="0"/>
-          <a:ext cx="0" cy="0"/>
-          <a:chOff x="0" y="0"/>
-          <a:chExt cx="0" cy="0"/>
-        </a:xfrm>
-      </p:grpSpPr>
-      <p:sp>
-        <p:nvSpPr>
-          <p:cNvPr id="4" name="Title 3">
-            <a:extLst>
-              <a:ext uri="{FF2B5EF4-FFF2-40B4-BE49-F238E27FC236}">
-                <a16:creationId xmlns="" xmlns:a16="http://schemas.microsoft.com/office/drawing/2014/main" id="{E98DCA46-603B-4178-8707-30E192CE6B8D}"/>
-              </a:ext>
-            </a:extLst>
-          </p:cNvPr>
-          <p:cNvSpPr>
-            <a:spLocks noGrp="1"/>
-          </p:cNvSpPr>
-          <p:nvPr>
-            <p:ph type="title"/>
-          </p:nvPr>
-        </p:nvSpPr>
-        <p:spPr/>
-        <p:txBody>
-          <a:bodyPr/>
-          <a:lstStyle/>
-          <a:p>
-            <a:r>
-              <a:rPr lang="en-US" dirty="0"/>
-              <a:t>Customize this Template</a:t>
-            </a:r>
-          </a:p>
-        </p:txBody>
-      </p:sp>
-      <p:sp>
-        <p:nvSpPr>
-          <p:cNvPr id="8" name="TextBox 7">
-            <a:hlinkClick r:id="rId2"/>
-            <a:extLst>
-              <a:ext uri="{FF2B5EF4-FFF2-40B4-BE49-F238E27FC236}">
-                <a16:creationId xmlns="" xmlns:a16="http://schemas.microsoft.com/office/drawing/2014/main" id="{5FC6C278-4035-446A-A94B-030E792FDDF5}"/>
-              </a:ext>
-            </a:extLst>
-          </p:cNvPr>
-          <p:cNvSpPr txBox="1"/>
-          <p:nvPr/>
-        </p:nvSpPr>
-        <p:spPr>
-          <a:xfrm>
-            <a:off x="1547813" y="2459504"/>
-            <a:ext cx="9096374" cy="1938992"/>
-          </a:xfrm>
-          <a:prstGeom prst="rect">
-            <a:avLst/>
-          </a:prstGeom>
-          <a:noFill/>
-        </p:spPr>
-        <p:txBody>
-          <a:bodyPr wrap="square" rtlCol="0">
-            <a:noAutofit/>
-          </a:bodyPr>
-          <a:lstStyle/>
-          <a:p>
-            <a:pPr algn="ctr"/>
-            <a:r>
-              <a:rPr lang="en-US" sz="6000" u="sng" dirty="0"/>
-              <a:t>Template Editing Instructions and Feedback</a:t>
-            </a:r>
-          </a:p>
-        </p:txBody>
-      </p:sp>
-    </p:spTree>
-    <p:extLst>
-      <p:ext uri="{BB962C8B-B14F-4D97-AF65-F5344CB8AC3E}">
-        <p14:creationId xmlns:p14="http://schemas.microsoft.com/office/powerpoint/2010/main" val="2394598200"/>
+        <p14:creationId xmlns:p14="http://schemas.microsoft.com/office/powerpoint/2010/main" val="1733894933"/>
       </p:ext>
     </p:extLst>
   </p:cSld>
@@ -8306,9 +7533,16 @@
 <file path=customXml/itemProps3.xml><?xml version="1.0" encoding="utf-8"?>
 <ds:datastoreItem xmlns:ds="http://schemas.openxmlformats.org/officeDocument/2006/customXml" ds:itemID="{0EC94942-C689-461B-8649-1FD863C6BA2B}">
   <ds:schemaRefs>
+    <ds:schemaRef ds:uri="http://purl.org/dc/elements/1.1/"/>
+    <ds:schemaRef ds:uri="16c05727-aa75-4e4a-9b5f-8a80a1165891"/>
+    <ds:schemaRef ds:uri="http://schemas.microsoft.com/office/infopath/2007/PartnerControls"/>
+    <ds:schemaRef ds:uri="http://purl.org/dc/terms/"/>
     <ds:schemaRef ds:uri="http://schemas.microsoft.com/office/2006/metadata/properties"/>
-    <ds:schemaRef ds:uri="http://schemas.microsoft.com/office/infopath/2007/PartnerControls"/>
+    <ds:schemaRef ds:uri="http://schemas.microsoft.com/office/2006/documentManagement/types"/>
+    <ds:schemaRef ds:uri="http://schemas.openxmlformats.org/package/2006/metadata/core-properties"/>
     <ds:schemaRef ds:uri="71af3243-3dd4-4a8d-8c0d-dd76da1f02a5"/>
+    <ds:schemaRef ds:uri="http://www.w3.org/XML/1998/namespace"/>
+    <ds:schemaRef ds:uri="http://purl.org/dc/dcmitype/"/>
   </ds:schemaRefs>
 </ds:datastoreItem>
 </file>